--- a/Dokumentacija/Sustav-za-praćenje-rada-auto-servisa.pptx
+++ b/Dokumentacija/Sustav-za-praćenje-rada-auto-servisa.pptx
@@ -12,9 +12,10 @@
     <p:sldId id="269" r:id="rId6"/>
     <p:sldId id="270" r:id="rId7"/>
     <p:sldId id="273" r:id="rId8"/>
-    <p:sldId id="272" r:id="rId9"/>
-    <p:sldId id="274" r:id="rId10"/>
-    <p:sldId id="271" r:id="rId11"/>
+    <p:sldId id="275" r:id="rId9"/>
+    <p:sldId id="272" r:id="rId10"/>
+    <p:sldId id="274" r:id="rId11"/>
+    <p:sldId id="271" r:id="rId12"/>
   </p:sldIdLst>
   <p:sldSz cx="12192000" cy="6858000"/>
   <p:notesSz cx="6858000" cy="9144000"/>
@@ -113,6 +114,11 @@
       </a:defRPr>
     </a:lvl9pPr>
   </p:defaultTextStyle>
+  <p:extLst>
+    <p:ext uri="{EFAFB233-063F-42B5-8137-9DF3F51BA10A}">
+      <p15:sldGuideLst xmlns:p15="http://schemas.microsoft.com/office/powerpoint/2012/main"/>
+    </p:ext>
+  </p:extLst>
 </p:presentation>
 </file>
 
@@ -3385,6 +3391,213 @@
                 <a:latin typeface="Arial" panose="020B0604020202020204" pitchFamily="34" charset="0"/>
                 <a:cs typeface="Arial" panose="020B0604020202020204" pitchFamily="34" charset="0"/>
               </a:rPr>
+              <a:t>Naučene lekcije</a:t>
+            </a:r>
+          </a:p>
+        </p:txBody>
+      </p:sp>
+      <p:sp>
+        <p:nvSpPr>
+          <p:cNvPr id="3" name="Text Placeholder 2">
+            <a:extLst>
+              <a:ext uri="{FF2B5EF4-FFF2-40B4-BE49-F238E27FC236}">
+                <a16:creationId xmlns:a16="http://schemas.microsoft.com/office/drawing/2014/main" id="{CE7B2034-C415-4EE5-8881-65DF009F548F}"/>
+              </a:ext>
+            </a:extLst>
+          </p:cNvPr>
+          <p:cNvSpPr>
+            <a:spLocks noGrp="1"/>
+          </p:cNvSpPr>
+          <p:nvPr>
+            <p:ph type="body" idx="1"/>
+          </p:nvPr>
+        </p:nvSpPr>
+        <p:spPr>
+          <a:xfrm>
+            <a:off x="595115" y="1409350"/>
+            <a:ext cx="10780776" cy="4440779"/>
+          </a:xfrm>
+        </p:spPr>
+        <p:txBody>
+          <a:bodyPr/>
+          <a:lstStyle/>
+          <a:p>
+            <a:pPr marL="457200" indent="-457200">
+              <a:buFont typeface="Arial" panose="020B0604020202020204" pitchFamily="34" charset="0"/>
+              <a:buChar char="•"/>
+            </a:pPr>
+            <a:r>
+              <a:rPr lang="hr-HR" dirty="0">
+                <a:latin typeface="Arial" panose="020B0604020202020204" pitchFamily="34" charset="0"/>
+                <a:cs typeface="Arial" panose="020B0604020202020204" pitchFamily="34" charset="0"/>
+              </a:rPr>
+              <a:t>Dobro:</a:t>
+            </a:r>
+          </a:p>
+          <a:p>
+            <a:pPr marL="914400" lvl="1" indent="-457200">
+              <a:buFont typeface="Courier New" panose="02070309020205020404" pitchFamily="49" charset="0"/>
+              <a:buChar char="o"/>
+            </a:pPr>
+            <a:r>
+              <a:rPr lang="hr-HR" sz="2400" dirty="0">
+                <a:latin typeface="Arial" panose="020B0604020202020204" pitchFamily="34" charset="0"/>
+                <a:cs typeface="Arial" panose="020B0604020202020204" pitchFamily="34" charset="0"/>
+              </a:rPr>
+              <a:t>Rad u timu</a:t>
+            </a:r>
+          </a:p>
+          <a:p>
+            <a:pPr marL="914400" lvl="1" indent="-457200">
+              <a:buFont typeface="Courier New" panose="02070309020205020404" pitchFamily="49" charset="0"/>
+              <a:buChar char="o"/>
+            </a:pPr>
+            <a:r>
+              <a:rPr lang="hr-HR" sz="2400" dirty="0">
+                <a:latin typeface="Arial" panose="020B0604020202020204" pitchFamily="34" charset="0"/>
+                <a:cs typeface="Arial" panose="020B0604020202020204" pitchFamily="34" charset="0"/>
+              </a:rPr>
+              <a:t>Prvo iskustvo izrade web aplikacije</a:t>
+            </a:r>
+          </a:p>
+          <a:p>
+            <a:pPr marL="914400" lvl="1" indent="-457200">
+              <a:buFont typeface="Courier New" panose="02070309020205020404" pitchFamily="49" charset="0"/>
+              <a:buChar char="o"/>
+            </a:pPr>
+            <a:r>
+              <a:rPr lang="hr-HR" sz="2400" dirty="0">
+                <a:latin typeface="Arial" panose="020B0604020202020204" pitchFamily="34" charset="0"/>
+                <a:cs typeface="Arial" panose="020B0604020202020204" pitchFamily="34" charset="0"/>
+              </a:rPr>
+              <a:t>Izrada kvalitetne dokumentacije projekta</a:t>
+            </a:r>
+          </a:p>
+          <a:p>
+            <a:pPr marL="914400" lvl="1" indent="-457200">
+              <a:buFont typeface="Courier New" panose="02070309020205020404" pitchFamily="49" charset="0"/>
+              <a:buChar char="o"/>
+            </a:pPr>
+            <a:endParaRPr lang="hr-HR" sz="2400" dirty="0">
+              <a:latin typeface="Arial" panose="020B0604020202020204" pitchFamily="34" charset="0"/>
+              <a:cs typeface="Arial" panose="020B0604020202020204" pitchFamily="34" charset="0"/>
+            </a:endParaRPr>
+          </a:p>
+          <a:p>
+            <a:pPr marL="457200" indent="-457200">
+              <a:buFont typeface="Arial" panose="020B0604020202020204" pitchFamily="34" charset="0"/>
+              <a:buChar char="•"/>
+            </a:pPr>
+            <a:r>
+              <a:rPr lang="hr-HR" dirty="0">
+                <a:latin typeface="Arial" panose="020B0604020202020204" pitchFamily="34" charset="0"/>
+                <a:cs typeface="Arial" panose="020B0604020202020204" pitchFamily="34" charset="0"/>
+              </a:rPr>
+              <a:t>Loše:</a:t>
+            </a:r>
+          </a:p>
+          <a:p>
+            <a:pPr marL="914400" lvl="1" indent="-457200">
+              <a:buFont typeface="Courier New" panose="02070309020205020404" pitchFamily="49" charset="0"/>
+              <a:buChar char="o"/>
+            </a:pPr>
+            <a:r>
+              <a:rPr lang="hr-HR" sz="2400" dirty="0">
+                <a:latin typeface="Arial" panose="020B0604020202020204" pitchFamily="34" charset="0"/>
+                <a:cs typeface="Arial" panose="020B0604020202020204" pitchFamily="34" charset="0"/>
+              </a:rPr>
+              <a:t>Kasno kretanje s implementacijom</a:t>
+            </a:r>
+          </a:p>
+          <a:p>
+            <a:pPr marL="914400" lvl="1" indent="-457200">
+              <a:buFont typeface="Courier New" panose="02070309020205020404" pitchFamily="49" charset="0"/>
+              <a:buChar char="o"/>
+            </a:pPr>
+            <a:r>
+              <a:rPr lang="hr-HR" sz="2400" dirty="0">
+                <a:latin typeface="Arial" panose="020B0604020202020204" pitchFamily="34" charset="0"/>
+                <a:cs typeface="Arial" panose="020B0604020202020204" pitchFamily="34" charset="0"/>
+              </a:rPr>
+              <a:t>Manjak timske sposobnosti paralelnog rada</a:t>
+            </a:r>
+          </a:p>
+          <a:p>
+            <a:pPr marL="571500" indent="-571500">
+              <a:buFont typeface="Arial" panose="020B0604020202020204" pitchFamily="34" charset="0"/>
+              <a:buChar char="•"/>
+            </a:pPr>
+            <a:endParaRPr lang="hr-HR" sz="3800" dirty="0">
+              <a:latin typeface="Arial" panose="020B0604020202020204" pitchFamily="34" charset="0"/>
+              <a:cs typeface="Arial" panose="020B0604020202020204" pitchFamily="34" charset="0"/>
+            </a:endParaRPr>
+          </a:p>
+        </p:txBody>
+      </p:sp>
+    </p:spTree>
+    <p:extLst>
+      <p:ext uri="{BB962C8B-B14F-4D97-AF65-F5344CB8AC3E}">
+        <p14:creationId xmlns:p14="http://schemas.microsoft.com/office/powerpoint/2010/main" val="4247762125"/>
+      </p:ext>
+    </p:extLst>
+  </p:cSld>
+  <p:clrMapOvr>
+    <a:masterClrMapping/>
+  </p:clrMapOvr>
+</p:sld>
+</file>
+
+<file path=ppt/slides/slide11.xml><?xml version="1.0" encoding="utf-8"?>
+<p:sld xmlns:a="http://schemas.openxmlformats.org/drawingml/2006/main" xmlns:r="http://schemas.openxmlformats.org/officeDocument/2006/relationships" xmlns:p="http://schemas.openxmlformats.org/presentationml/2006/main">
+  <p:cSld>
+    <p:spTree>
+      <p:nvGrpSpPr>
+        <p:cNvPr id="1" name=""/>
+        <p:cNvGrpSpPr/>
+        <p:nvPr/>
+      </p:nvGrpSpPr>
+      <p:grpSpPr>
+        <a:xfrm>
+          <a:off x="0" y="0"/>
+          <a:ext cx="0" cy="0"/>
+          <a:chOff x="0" y="0"/>
+          <a:chExt cx="0" cy="0"/>
+        </a:xfrm>
+      </p:grpSpPr>
+      <p:sp>
+        <p:nvSpPr>
+          <p:cNvPr id="2" name="Title 1">
+            <a:extLst>
+              <a:ext uri="{FF2B5EF4-FFF2-40B4-BE49-F238E27FC236}">
+                <a16:creationId xmlns:a16="http://schemas.microsoft.com/office/drawing/2014/main" id="{875AE3A6-EE35-4A94-B7C2-0F9952460BD8}"/>
+              </a:ext>
+            </a:extLst>
+          </p:cNvPr>
+          <p:cNvSpPr>
+            <a:spLocks noGrp="1"/>
+          </p:cNvSpPr>
+          <p:nvPr>
+            <p:ph type="title"/>
+          </p:nvPr>
+        </p:nvSpPr>
+        <p:spPr>
+          <a:xfrm>
+            <a:off x="595115" y="433051"/>
+            <a:ext cx="10780776" cy="574820"/>
+          </a:xfrm>
+        </p:spPr>
+        <p:txBody>
+          <a:bodyPr>
+            <a:normAutofit fontScale="90000"/>
+          </a:bodyPr>
+          <a:lstStyle/>
+          <a:p>
+            <a:pPr algn="ctr"/>
+            <a:r>
+              <a:rPr lang="hr-HR" sz="4000" dirty="0">
+                <a:latin typeface="Arial" panose="020B0604020202020204" pitchFamily="34" charset="0"/>
+                <a:cs typeface="Arial" panose="020B0604020202020204" pitchFamily="34" charset="0"/>
+              </a:rPr>
               <a:t>Članovi grupe</a:t>
             </a:r>
           </a:p>
@@ -4648,6 +4861,36 @@
           </a:p>
         </p:txBody>
       </p:sp>
+      <p:pic>
+        <p:nvPicPr>
+          <p:cNvPr id="5" name="Picture 4">
+            <a:extLst>
+              <a:ext uri="{FF2B5EF4-FFF2-40B4-BE49-F238E27FC236}">
+                <a16:creationId xmlns:a16="http://schemas.microsoft.com/office/drawing/2014/main" id="{C0B21949-9181-4C33-800B-EF10949F5600}"/>
+              </a:ext>
+            </a:extLst>
+          </p:cNvPr>
+          <p:cNvPicPr>
+            <a:picLocks noChangeAspect="1"/>
+          </p:cNvPicPr>
+          <p:nvPr/>
+        </p:nvPicPr>
+        <p:blipFill>
+          <a:blip r:embed="rId2"/>
+          <a:stretch>
+            <a:fillRect/>
+          </a:stretch>
+        </p:blipFill>
+        <p:spPr>
+          <a:xfrm>
+            <a:off x="6315767" y="1409350"/>
+            <a:ext cx="5281118" cy="1844200"/>
+          </a:xfrm>
+          <a:prstGeom prst="rect">
+            <a:avLst/>
+          </a:prstGeom>
+        </p:spPr>
+      </p:pic>
     </p:spTree>
     <p:extLst>
       <p:ext uri="{BB962C8B-B14F-4D97-AF65-F5344CB8AC3E}">
@@ -4735,8 +4978,8 @@
         </p:nvSpPr>
         <p:spPr>
           <a:xfrm>
-            <a:off x="595115" y="1409350"/>
-            <a:ext cx="10780776" cy="4750818"/>
+            <a:off x="595115" y="1409349"/>
+            <a:ext cx="10780776" cy="5015599"/>
           </a:xfrm>
         </p:spPr>
         <p:txBody>
@@ -4750,23 +4993,33 @@
               <a:buChar char="•"/>
             </a:pPr>
             <a:r>
-              <a:rPr lang="hr-HR" dirty="0"/>
-              <a:t>Astah Community - </a:t>
+              <a:rPr lang="hr-HR" dirty="0">
+                <a:latin typeface="Arial" panose="020B0604020202020204" pitchFamily="34" charset="0"/>
+                <a:cs typeface="Arial" panose="020B0604020202020204" pitchFamily="34" charset="0"/>
+              </a:rPr>
+              <a:t>Astah - </a:t>
             </a:r>
             <a:r>
               <a:rPr lang="hr-HR" dirty="0">
                 <a:solidFill>
                   <a:srgbClr val="FF0000"/>
                 </a:solidFill>
+                <a:latin typeface="Arial" panose="020B0604020202020204" pitchFamily="34" charset="0"/>
+                <a:cs typeface="Arial" panose="020B0604020202020204" pitchFamily="34" charset="0"/>
                 <a:hlinkClick r:id="rId2"/>
               </a:rPr>
               <a:t>http://astah.net/</a:t>
             </a:r>
-            <a:endParaRPr lang="hr-HR" dirty="0">
-              <a:solidFill>
-                <a:srgbClr val="FF0000"/>
-              </a:solidFill>
-            </a:endParaRPr>
+            <a:r>
+              <a:rPr lang="hr-HR" dirty="0">
+                <a:solidFill>
+                  <a:srgbClr val="FF0000"/>
+                </a:solidFill>
+                <a:latin typeface="Arial" panose="020B0604020202020204" pitchFamily="34" charset="0"/>
+                <a:cs typeface="Arial" panose="020B0604020202020204" pitchFamily="34" charset="0"/>
+              </a:rPr>
+              <a:t> </a:t>
+            </a:r>
           </a:p>
           <a:p>
             <a:pPr marL="457200" indent="-457200">
@@ -4774,19 +5027,33 @@
               <a:buChar char="•"/>
             </a:pPr>
             <a:r>
-              <a:rPr lang="hr-HR" dirty="0"/>
-              <a:t>MySQL - </a:t>
-            </a:r>
-            <a:r>
               <a:rPr lang="hr-HR" dirty="0">
+                <a:latin typeface="Arial" panose="020B0604020202020204" pitchFamily="34" charset="0"/>
+                <a:cs typeface="Arial" panose="020B0604020202020204" pitchFamily="34" charset="0"/>
+              </a:rPr>
+              <a:t>GitLab - </a:t>
+            </a:r>
+            <a:r>
+              <a:rPr lang="hr-HR" dirty="0">
+                <a:latin typeface="Arial" panose="020B0604020202020204" pitchFamily="34" charset="0"/>
+                <a:cs typeface="Arial" panose="020B0604020202020204" pitchFamily="34" charset="0"/>
                 <a:hlinkClick r:id="rId3"/>
               </a:rPr>
-              <a:t>https://www.mysql.com/</a:t>
-            </a:r>
-            <a:r>
-              <a:rPr lang="hr-HR" dirty="0"/>
+              <a:t>https://about.gitlab.com/</a:t>
+            </a:r>
+            <a:r>
+              <a:rPr lang="hr-HR" dirty="0">
+                <a:latin typeface="Arial" panose="020B0604020202020204" pitchFamily="34" charset="0"/>
+                <a:cs typeface="Arial" panose="020B0604020202020204" pitchFamily="34" charset="0"/>
+              </a:rPr>
               <a:t> </a:t>
             </a:r>
+          </a:p>
+          <a:p>
+            <a:endParaRPr lang="hr-HR" dirty="0">
+              <a:latin typeface="Arial" panose="020B0604020202020204" pitchFamily="34" charset="0"/>
+              <a:cs typeface="Arial" panose="020B0604020202020204" pitchFamily="34" charset="0"/>
+            </a:endParaRPr>
           </a:p>
           <a:p>
             <a:pPr marL="457200" indent="-457200">
@@ -4794,19 +5061,72 @@
               <a:buChar char="•"/>
             </a:pPr>
             <a:r>
-              <a:rPr lang="hr-HR" dirty="0"/>
+              <a:rPr lang="hr-HR" dirty="0">
+                <a:latin typeface="Arial" panose="020B0604020202020204" pitchFamily="34" charset="0"/>
+                <a:cs typeface="Arial" panose="020B0604020202020204" pitchFamily="34" charset="0"/>
+              </a:rPr>
+              <a:t>Backend:</a:t>
+            </a:r>
+          </a:p>
+          <a:p>
+            <a:pPr marL="914400" lvl="1" indent="-457200">
+              <a:buFont typeface="Courier New" panose="02070309020205020404" pitchFamily="49" charset="0"/>
+              <a:buChar char="o"/>
+            </a:pPr>
+            <a:r>
+              <a:rPr lang="hr-HR" sz="2400" dirty="0">
+                <a:latin typeface="Arial" panose="020B0604020202020204" pitchFamily="34" charset="0"/>
+                <a:cs typeface="Arial" panose="020B0604020202020204" pitchFamily="34" charset="0"/>
+              </a:rPr>
+              <a:t>MySQL Server/Workbench - </a:t>
+            </a:r>
+            <a:r>
+              <a:rPr lang="hr-HR" sz="2400" dirty="0">
+                <a:latin typeface="Arial" panose="020B0604020202020204" pitchFamily="34" charset="0"/>
+                <a:cs typeface="Arial" panose="020B0604020202020204" pitchFamily="34" charset="0"/>
+                <a:hlinkClick r:id="rId4"/>
+              </a:rPr>
+              <a:t>https://www.mysql.com/</a:t>
+            </a:r>
+            <a:r>
+              <a:rPr lang="hr-HR" sz="2400" dirty="0">
+                <a:latin typeface="Arial" panose="020B0604020202020204" pitchFamily="34" charset="0"/>
+                <a:cs typeface="Arial" panose="020B0604020202020204" pitchFamily="34" charset="0"/>
+              </a:rPr>
+              <a:t> </a:t>
+            </a:r>
+          </a:p>
+          <a:p>
+            <a:pPr marL="914400" lvl="1" indent="-457200">
+              <a:buFont typeface="Courier New" panose="02070309020205020404" pitchFamily="49" charset="0"/>
+              <a:buChar char="o"/>
+            </a:pPr>
+            <a:r>
+              <a:rPr lang="hr-HR" sz="2400" dirty="0">
+                <a:latin typeface="Arial" panose="020B0604020202020204" pitchFamily="34" charset="0"/>
+                <a:cs typeface="Arial" panose="020B0604020202020204" pitchFamily="34" charset="0"/>
+              </a:rPr>
               <a:t>Eclipse - </a:t>
             </a:r>
             <a:r>
-              <a:rPr lang="hr-HR" dirty="0">
-                <a:hlinkClick r:id="rId4"/>
+              <a:rPr lang="hr-HR" sz="2400" dirty="0">
+                <a:latin typeface="Arial" panose="020B0604020202020204" pitchFamily="34" charset="0"/>
+                <a:cs typeface="Arial" panose="020B0604020202020204" pitchFamily="34" charset="0"/>
+                <a:hlinkClick r:id="rId5"/>
               </a:rPr>
               <a:t>https://www.eclipse.org/</a:t>
             </a:r>
             <a:r>
-              <a:rPr lang="hr-HR" dirty="0"/>
+              <a:rPr lang="hr-HR" sz="2400" dirty="0">
+                <a:latin typeface="Arial" panose="020B0604020202020204" pitchFamily="34" charset="0"/>
+                <a:cs typeface="Arial" panose="020B0604020202020204" pitchFamily="34" charset="0"/>
+              </a:rPr>
               <a:t> </a:t>
             </a:r>
+            <a:endParaRPr lang="hr-HR" sz="2000" dirty="0">
+              <a:latin typeface="Arial" panose="020B0604020202020204" pitchFamily="34" charset="0"/>
+              <a:cs typeface="Arial" panose="020B0604020202020204" pitchFamily="34" charset="0"/>
+            </a:endParaRPr>
           </a:p>
           <a:p>
             <a:pPr marL="457200" indent="-457200">
@@ -4814,86 +5134,96 @@
               <a:buChar char="•"/>
             </a:pPr>
             <a:r>
-              <a:rPr lang="hr-HR" dirty="0"/>
+              <a:rPr lang="hr-HR" dirty="0">
+                <a:latin typeface="Arial" panose="020B0604020202020204" pitchFamily="34" charset="0"/>
+                <a:cs typeface="Arial" panose="020B0604020202020204" pitchFamily="34" charset="0"/>
+              </a:rPr>
+              <a:t>Frontend:</a:t>
+            </a:r>
+          </a:p>
+          <a:p>
+            <a:pPr marL="914400" lvl="1" indent="-457200">
+              <a:buFont typeface="Courier New" panose="02070309020205020404" pitchFamily="49" charset="0"/>
+              <a:buChar char="o"/>
+            </a:pPr>
+            <a:r>
+              <a:rPr lang="hr-HR" sz="2400" dirty="0">
+                <a:latin typeface="Arial" panose="020B0604020202020204" pitchFamily="34" charset="0"/>
+                <a:cs typeface="Arial" panose="020B0604020202020204" pitchFamily="34" charset="0"/>
+              </a:rPr>
               <a:t>Visual Studio Code - </a:t>
             </a:r>
             <a:r>
-              <a:rPr lang="hr-HR" dirty="0">
-                <a:hlinkClick r:id="rId5"/>
+              <a:rPr lang="hr-HR" sz="2400" dirty="0">
+                <a:latin typeface="Arial" panose="020B0604020202020204" pitchFamily="34" charset="0"/>
+                <a:cs typeface="Arial" panose="020B0604020202020204" pitchFamily="34" charset="0"/>
+                <a:hlinkClick r:id="rId6"/>
               </a:rPr>
               <a:t>https://code.visualstudio.com/</a:t>
             </a:r>
             <a:r>
-              <a:rPr lang="hr-HR" dirty="0"/>
+              <a:rPr lang="hr-HR" sz="2400" dirty="0">
+                <a:latin typeface="Arial" panose="020B0604020202020204" pitchFamily="34" charset="0"/>
+                <a:cs typeface="Arial" panose="020B0604020202020204" pitchFamily="34" charset="0"/>
+              </a:rPr>
               <a:t> </a:t>
             </a:r>
           </a:p>
           <a:p>
-            <a:pPr marL="457200" indent="-457200">
-              <a:buFont typeface="Arial" panose="020B0604020202020204" pitchFamily="34" charset="0"/>
-              <a:buChar char="•"/>
-            </a:pPr>
-            <a:r>
-              <a:rPr lang="hr-HR" dirty="0"/>
+            <a:pPr marL="914400" lvl="1" indent="-457200">
+              <a:buFont typeface="Courier New" panose="02070309020205020404" pitchFamily="49" charset="0"/>
+              <a:buChar char="o"/>
+            </a:pPr>
+            <a:r>
+              <a:rPr lang="hr-HR" sz="2400" dirty="0">
+                <a:latin typeface="Arial" panose="020B0604020202020204" pitchFamily="34" charset="0"/>
+                <a:cs typeface="Arial" panose="020B0604020202020204" pitchFamily="34" charset="0"/>
+              </a:rPr>
               <a:t>Bootstrap - </a:t>
             </a:r>
             <a:r>
-              <a:rPr lang="hr-HR" dirty="0">
-                <a:hlinkClick r:id="rId6"/>
+              <a:rPr lang="hr-HR" sz="2400" dirty="0">
+                <a:latin typeface="Arial" panose="020B0604020202020204" pitchFamily="34" charset="0"/>
+                <a:cs typeface="Arial" panose="020B0604020202020204" pitchFamily="34" charset="0"/>
+                <a:hlinkClick r:id="rId7"/>
               </a:rPr>
               <a:t>https://getbootstrap.com/</a:t>
             </a:r>
             <a:r>
-              <a:rPr lang="hr-HR" dirty="0"/>
+              <a:rPr lang="hr-HR" sz="2400" dirty="0">
+                <a:latin typeface="Arial" panose="020B0604020202020204" pitchFamily="34" charset="0"/>
+                <a:cs typeface="Arial" panose="020B0604020202020204" pitchFamily="34" charset="0"/>
+              </a:rPr>
               <a:t> </a:t>
             </a:r>
           </a:p>
           <a:p>
-            <a:pPr marL="457200" indent="-457200">
-              <a:buFont typeface="Arial" panose="020B0604020202020204" pitchFamily="34" charset="0"/>
-              <a:buChar char="•"/>
-            </a:pPr>
-            <a:r>
-              <a:rPr lang="hr-HR" dirty="0"/>
+            <a:pPr marL="914400" lvl="1" indent="-457200">
+              <a:buFont typeface="Courier New" panose="02070309020205020404" pitchFamily="49" charset="0"/>
+              <a:buChar char="o"/>
+            </a:pPr>
+            <a:r>
+              <a:rPr lang="hr-HR" sz="2400" dirty="0">
+                <a:latin typeface="Arial" panose="020B0604020202020204" pitchFamily="34" charset="0"/>
+                <a:cs typeface="Arial" panose="020B0604020202020204" pitchFamily="34" charset="0"/>
+              </a:rPr>
               <a:t>Thymeleaf - </a:t>
             </a:r>
             <a:r>
-              <a:rPr lang="hr-HR" dirty="0">
-                <a:hlinkClick r:id="rId7"/>
+              <a:rPr lang="hr-HR" sz="2400" dirty="0">
+                <a:latin typeface="Arial" panose="020B0604020202020204" pitchFamily="34" charset="0"/>
+                <a:cs typeface="Arial" panose="020B0604020202020204" pitchFamily="34" charset="0"/>
+                <a:hlinkClick r:id="rId8"/>
               </a:rPr>
               <a:t>https://www.thymeleaf.org/</a:t>
             </a:r>
             <a:r>
-              <a:rPr lang="hr-HR" dirty="0"/>
+              <a:rPr lang="hr-HR" sz="2400" dirty="0">
+                <a:latin typeface="Arial" panose="020B0604020202020204" pitchFamily="34" charset="0"/>
+                <a:cs typeface="Arial" panose="020B0604020202020204" pitchFamily="34" charset="0"/>
+              </a:rPr>
               <a:t> </a:t>
             </a:r>
-          </a:p>
-          <a:p>
-            <a:endParaRPr lang="hr-HR" dirty="0"/>
-          </a:p>
-          <a:p>
-            <a:pPr marL="457200" indent="-457200">
-              <a:buFont typeface="Arial" panose="020B0604020202020204" pitchFamily="34" charset="0"/>
-              <a:buChar char="•"/>
-            </a:pPr>
-            <a:r>
-              <a:rPr lang="hr-HR" dirty="0"/>
-              <a:t>Programski jezici: Java, HTML, CSS, JavaScript</a:t>
-            </a:r>
-          </a:p>
-          <a:p>
-            <a:pPr marL="457200" indent="-457200">
-              <a:buFont typeface="Arial" panose="020B0604020202020204" pitchFamily="34" charset="0"/>
-              <a:buChar char="•"/>
-            </a:pPr>
-            <a:endParaRPr lang="hr-HR" dirty="0"/>
-          </a:p>
-          <a:p>
-            <a:pPr marL="457200" indent="-457200">
-              <a:buFont typeface="Arial" panose="020B0604020202020204" pitchFamily="34" charset="0"/>
-              <a:buChar char="•"/>
-            </a:pPr>
-            <a:endParaRPr lang="hr-HR" dirty="0"/>
           </a:p>
         </p:txBody>
       </p:sp>
@@ -4961,7 +5291,7 @@
                 <a:latin typeface="Arial" panose="020B0604020202020204" pitchFamily="34" charset="0"/>
                 <a:cs typeface="Arial" panose="020B0604020202020204" pitchFamily="34" charset="0"/>
               </a:rPr>
-              <a:t>Organizacija rada</a:t>
+              <a:t>Korišteni programski jezici</a:t>
             </a:r>
           </a:p>
         </p:txBody>
@@ -4984,22 +5314,79 @@
         </p:nvSpPr>
         <p:spPr>
           <a:xfrm>
-            <a:off x="595115" y="1409350"/>
-            <a:ext cx="10780776" cy="4440779"/>
+            <a:off x="595115" y="1409349"/>
+            <a:ext cx="10780776" cy="5015599"/>
           </a:xfrm>
         </p:spPr>
         <p:txBody>
-          <a:bodyPr/>
-          <a:lstStyle/>
-          <a:p>
-            <a:endParaRPr lang="hr-HR" dirty="0"/>
+          <a:bodyPr>
+            <a:normAutofit/>
+          </a:bodyPr>
+          <a:lstStyle/>
+          <a:p>
+            <a:pPr marL="457200" indent="-457200">
+              <a:buFont typeface="Arial" panose="020B0604020202020204" pitchFamily="34" charset="0"/>
+              <a:buChar char="•"/>
+            </a:pPr>
+            <a:r>
+              <a:rPr lang="hr-HR" dirty="0">
+                <a:latin typeface="Arial" panose="020B0604020202020204" pitchFamily="34" charset="0"/>
+                <a:cs typeface="Arial" panose="020B0604020202020204" pitchFamily="34" charset="0"/>
+              </a:rPr>
+              <a:t>Backend</a:t>
+            </a:r>
+          </a:p>
+          <a:p>
+            <a:pPr marL="914400" lvl="1" indent="-457200">
+              <a:buFont typeface="Courier New" panose="02070309020205020404" pitchFamily="49" charset="0"/>
+              <a:buChar char="o"/>
+            </a:pPr>
+            <a:r>
+              <a:rPr lang="hr-HR" sz="2400" dirty="0">
+                <a:latin typeface="Arial" panose="020B0604020202020204" pitchFamily="34" charset="0"/>
+                <a:cs typeface="Arial" panose="020B0604020202020204" pitchFamily="34" charset="0"/>
+              </a:rPr>
+              <a:t>Java, MySQL</a:t>
+            </a:r>
+          </a:p>
+          <a:p>
+            <a:endParaRPr lang="hr-HR" sz="3800" dirty="0">
+              <a:latin typeface="Arial" panose="020B0604020202020204" pitchFamily="34" charset="0"/>
+              <a:cs typeface="Arial" panose="020B0604020202020204" pitchFamily="34" charset="0"/>
+            </a:endParaRPr>
+          </a:p>
+          <a:p>
+            <a:pPr marL="457200" indent="-457200">
+              <a:buFont typeface="Arial" panose="020B0604020202020204" pitchFamily="34" charset="0"/>
+              <a:buChar char="•"/>
+            </a:pPr>
+            <a:r>
+              <a:rPr lang="hr-HR" dirty="0">
+                <a:latin typeface="Arial" panose="020B0604020202020204" pitchFamily="34" charset="0"/>
+                <a:cs typeface="Arial" panose="020B0604020202020204" pitchFamily="34" charset="0"/>
+              </a:rPr>
+              <a:t>Frontend:</a:t>
+            </a:r>
+          </a:p>
+          <a:p>
+            <a:pPr marL="914400" lvl="1" indent="-457200">
+              <a:buFont typeface="Courier New" panose="02070309020205020404" pitchFamily="49" charset="0"/>
+              <a:buChar char="o"/>
+            </a:pPr>
+            <a:r>
+              <a:rPr lang="hr-HR" sz="2400" dirty="0">
+                <a:latin typeface="Arial" panose="020B0604020202020204" pitchFamily="34" charset="0"/>
+                <a:cs typeface="Arial" panose="020B0604020202020204" pitchFamily="34" charset="0"/>
+              </a:rPr>
+              <a:t>HTML, CSS, JavaScript</a:t>
+            </a:r>
           </a:p>
         </p:txBody>
       </p:sp>
     </p:spTree>
     <p:extLst>
       <p:ext uri="{BB962C8B-B14F-4D97-AF65-F5344CB8AC3E}">
-        <p14:creationId xmlns:p14="http://schemas.microsoft.com/office/powerpoint/2010/main" val="2351331684"/>
+        <p14:creationId xmlns:p14="http://schemas.microsoft.com/office/powerpoint/2010/main" val="2205915740"/>
       </p:ext>
     </p:extLst>
   </p:cSld>
@@ -5060,7 +5447,7 @@
                 <a:latin typeface="Arial" panose="020B0604020202020204" pitchFamily="34" charset="0"/>
                 <a:cs typeface="Arial" panose="020B0604020202020204" pitchFamily="34" charset="0"/>
               </a:rPr>
-              <a:t>Iskustva</a:t>
+              <a:t>Organizacija rada</a:t>
             </a:r>
           </a:p>
         </p:txBody>
@@ -5084,21 +5471,150 @@
         <p:spPr>
           <a:xfrm>
             <a:off x="595115" y="1409350"/>
-            <a:ext cx="10780776" cy="4440779"/>
+            <a:ext cx="10780776" cy="4895197"/>
           </a:xfrm>
         </p:spPr>
         <p:txBody>
-          <a:bodyPr/>
-          <a:lstStyle/>
-          <a:p>
-            <a:endParaRPr lang="hr-HR" dirty="0"/>
+          <a:bodyPr>
+            <a:normAutofit/>
+          </a:bodyPr>
+          <a:lstStyle/>
+          <a:p>
+            <a:pPr marL="457200" indent="-457200">
+              <a:buFont typeface="Arial" panose="020B0604020202020204" pitchFamily="34" charset="0"/>
+              <a:buChar char="•"/>
+            </a:pPr>
+            <a:r>
+              <a:rPr lang="hr-HR" dirty="0">
+                <a:latin typeface="Arial" panose="020B0604020202020204" pitchFamily="34" charset="0"/>
+                <a:cs typeface="Arial" panose="020B0604020202020204" pitchFamily="34" charset="0"/>
+              </a:rPr>
+              <a:t>Specifikacija – svi članovi</a:t>
+            </a:r>
+          </a:p>
+          <a:p>
+            <a:pPr marL="457200" indent="-457200">
+              <a:buFont typeface="Arial" panose="020B0604020202020204" pitchFamily="34" charset="0"/>
+              <a:buChar char="•"/>
+            </a:pPr>
+            <a:r>
+              <a:rPr lang="hr-HR" dirty="0">
+                <a:latin typeface="Arial" panose="020B0604020202020204" pitchFamily="34" charset="0"/>
+                <a:cs typeface="Arial" panose="020B0604020202020204" pitchFamily="34" charset="0"/>
+              </a:rPr>
+              <a:t>Implementacija</a:t>
+            </a:r>
+          </a:p>
+          <a:p>
+            <a:pPr marL="914400" lvl="1" indent="-457200">
+              <a:buFont typeface="Courier New" panose="02070309020205020404" pitchFamily="49" charset="0"/>
+              <a:buChar char="o"/>
+            </a:pPr>
+            <a:r>
+              <a:rPr lang="hr-HR" sz="2400" dirty="0">
+                <a:latin typeface="Arial" panose="020B0604020202020204" pitchFamily="34" charset="0"/>
+                <a:cs typeface="Arial" panose="020B0604020202020204" pitchFamily="34" charset="0"/>
+              </a:rPr>
+              <a:t>Filip Janđel</a:t>
+            </a:r>
+          </a:p>
+          <a:p>
+            <a:pPr marL="914400" lvl="1" indent="-457200">
+              <a:buFont typeface="Courier New" panose="02070309020205020404" pitchFamily="49" charset="0"/>
+              <a:buChar char="o"/>
+            </a:pPr>
+            <a:r>
+              <a:rPr lang="hr-HR" sz="2400" dirty="0">
+                <a:latin typeface="Arial" panose="020B0604020202020204" pitchFamily="34" charset="0"/>
+                <a:cs typeface="Arial" panose="020B0604020202020204" pitchFamily="34" charset="0"/>
+              </a:rPr>
+              <a:t>Tea Kalenski</a:t>
+            </a:r>
+          </a:p>
+          <a:p>
+            <a:pPr marL="914400" lvl="1" indent="-457200">
+              <a:buFont typeface="Courier New" panose="02070309020205020404" pitchFamily="49" charset="0"/>
+              <a:buChar char="o"/>
+            </a:pPr>
+            <a:r>
+              <a:rPr lang="hr-HR" sz="2400" dirty="0">
+                <a:latin typeface="Arial" panose="020B0604020202020204" pitchFamily="34" charset="0"/>
+                <a:cs typeface="Arial" panose="020B0604020202020204" pitchFamily="34" charset="0"/>
+              </a:rPr>
+              <a:t>Tin Komerički</a:t>
+            </a:r>
+          </a:p>
+          <a:p>
+            <a:pPr marL="457200" indent="-457200">
+              <a:buFont typeface="Arial" panose="020B0604020202020204" pitchFamily="34" charset="0"/>
+              <a:buChar char="•"/>
+            </a:pPr>
+            <a:r>
+              <a:rPr lang="hr-HR" dirty="0">
+                <a:latin typeface="Arial" panose="020B0604020202020204" pitchFamily="34" charset="0"/>
+                <a:cs typeface="Arial" panose="020B0604020202020204" pitchFamily="34" charset="0"/>
+              </a:rPr>
+              <a:t>Ispitivanje</a:t>
+            </a:r>
+          </a:p>
+          <a:p>
+            <a:pPr marL="914400" lvl="1" indent="-457200">
+              <a:buFont typeface="Courier New" panose="02070309020205020404" pitchFamily="49" charset="0"/>
+              <a:buChar char="o"/>
+            </a:pPr>
+            <a:r>
+              <a:rPr lang="hr-HR" sz="2400" dirty="0">
+                <a:latin typeface="Arial" panose="020B0604020202020204" pitchFamily="34" charset="0"/>
+                <a:cs typeface="Arial" panose="020B0604020202020204" pitchFamily="34" charset="0"/>
+              </a:rPr>
+              <a:t>Dino Avdić</a:t>
+            </a:r>
+          </a:p>
+          <a:p>
+            <a:pPr marL="914400" lvl="1" indent="-457200">
+              <a:buFont typeface="Courier New" panose="02070309020205020404" pitchFamily="49" charset="0"/>
+              <a:buChar char="o"/>
+            </a:pPr>
+            <a:r>
+              <a:rPr lang="hr-HR" sz="2400" dirty="0">
+                <a:latin typeface="Arial" panose="020B0604020202020204" pitchFamily="34" charset="0"/>
+                <a:cs typeface="Arial" panose="020B0604020202020204" pitchFamily="34" charset="0"/>
+              </a:rPr>
+              <a:t>Filip Kovačević</a:t>
+            </a:r>
+          </a:p>
+          <a:p>
+            <a:pPr marL="914400" lvl="1" indent="-457200">
+              <a:buFont typeface="Courier New" panose="02070309020205020404" pitchFamily="49" charset="0"/>
+              <a:buChar char="o"/>
+            </a:pPr>
+            <a:r>
+              <a:rPr lang="hr-HR" sz="2400" dirty="0">
+                <a:latin typeface="Arial" panose="020B0604020202020204" pitchFamily="34" charset="0"/>
+                <a:cs typeface="Arial" panose="020B0604020202020204" pitchFamily="34" charset="0"/>
+              </a:rPr>
+              <a:t>Marko Prnić</a:t>
+            </a:r>
+          </a:p>
+          <a:p>
+            <a:pPr marL="457200" indent="-457200">
+              <a:buFont typeface="Arial" panose="020B0604020202020204" pitchFamily="34" charset="0"/>
+              <a:buChar char="•"/>
+            </a:pPr>
+            <a:r>
+              <a:rPr lang="hr-HR" dirty="0">
+                <a:latin typeface="Arial" panose="020B0604020202020204" pitchFamily="34" charset="0"/>
+                <a:cs typeface="Arial" panose="020B0604020202020204" pitchFamily="34" charset="0"/>
+              </a:rPr>
+              <a:t>Dokumentiranje – svi članovi</a:t>
+            </a:r>
           </a:p>
         </p:txBody>
       </p:sp>
     </p:spTree>
     <p:extLst>
       <p:ext uri="{BB962C8B-B14F-4D97-AF65-F5344CB8AC3E}">
-        <p14:creationId xmlns:p14="http://schemas.microsoft.com/office/powerpoint/2010/main" val="4247762125"/>
+        <p14:creationId xmlns:p14="http://schemas.microsoft.com/office/powerpoint/2010/main" val="2351331684"/>
       </p:ext>
     </p:extLst>
   </p:cSld>
